--- a/Python/5. Loops/5. Loops.pptx
+++ b/Python/5. Loops/5. Loops.pptx
@@ -247,7 +247,7 @@
             <a:fld id="{FE5B4EDC-59C0-49C7-8ADA-5A781B329E02}" type="datetimeFigureOut">
               <a:rPr lang="en-US"/>
               <a:pPr/>
-              <a:t>2/19/2017</a:t>
+              <a:t>2/21/2017</a:t>
             </a:fld>
             <a:endParaRPr dirty="0"/>
           </a:p>
@@ -446,7 +446,7 @@
             <a:fld id="{F2D8D46A-B586-417D-BFBD-8C8FE0AAF762}" type="datetimeFigureOut">
               <a:rPr lang="en-US" smtClean="0"/>
               <a:pPr/>
-              <a:t>2/19/2017</a:t>
+              <a:t>2/21/2017</a:t>
             </a:fld>
             <a:endParaRPr lang="en-US"/>
           </a:p>
@@ -2196,7 +2196,7 @@
             <a:fld id="{055373AC-9AA7-423B-BA00-BA1C74164DBD}" type="datetime1">
               <a:rPr lang="en-US" smtClean="0"/>
               <a:pPr/>
-              <a:t>2/19/2017</a:t>
+              <a:t>2/21/2017</a:t>
             </a:fld>
             <a:endParaRPr lang="en-US" dirty="0"/>
           </a:p>
@@ -3470,7 +3470,7 @@
             <a:fld id="{055373AC-9AA7-423B-BA00-BA1C74164DBD}" type="datetime1">
               <a:rPr lang="en-US" smtClean="0"/>
               <a:pPr/>
-              <a:t>2/19/2017</a:t>
+              <a:t>2/21/2017</a:t>
             </a:fld>
             <a:endParaRPr lang="en-US" dirty="0"/>
           </a:p>
@@ -8772,22 +8772,36 @@
               </a:lnSpc>
             </a:pPr>
             <a:r>
-              <a:rPr lang="en-US" sz="2700" b="1" noProof="1">
-                <a:solidFill>
-                  <a:srgbClr val="FBEEDC"/>
-                </a:solidFill>
-                <a:effectLst>
-                  <a:outerShdw blurRad="38100" dist="38100" dir="2700000" algn="tl">
-                    <a:srgbClr val="000000">
-                      <a:alpha val="43137"/>
-                    </a:srgbClr>
-                  </a:outerShdw>
-                </a:effectLst>
-                <a:latin typeface="Consolas" pitchFamily="49" charset="0"/>
-                <a:cs typeface="Consolas" pitchFamily="49" charset="0"/>
-              </a:rPr>
-              <a:t>else</a:t>
-            </a:r>
+              <a:rPr lang="en-US" sz="2700" b="1" noProof="1" smtClean="0">
+                <a:solidFill>
+                  <a:srgbClr val="FBEEDC"/>
+                </a:solidFill>
+                <a:effectLst>
+                  <a:outerShdw blurRad="38100" dist="38100" dir="2700000" algn="tl">
+                    <a:srgbClr val="000000">
+                      <a:alpha val="43137"/>
+                    </a:srgbClr>
+                  </a:outerShdw>
+                </a:effectLst>
+                <a:latin typeface="Consolas" pitchFamily="49" charset="0"/>
+                <a:cs typeface="Consolas" pitchFamily="49" charset="0"/>
+              </a:rPr>
+              <a:t>else:</a:t>
+            </a:r>
+            <a:endParaRPr lang="en-US" sz="2700" b="1" noProof="1">
+              <a:solidFill>
+                <a:srgbClr val="FBEEDC"/>
+              </a:solidFill>
+              <a:effectLst>
+                <a:outerShdw blurRad="38100" dist="38100" dir="2700000" algn="tl">
+                  <a:srgbClr val="000000">
+                    <a:alpha val="43137"/>
+                  </a:srgbClr>
+                </a:outerShdw>
+              </a:effectLst>
+              <a:latin typeface="Consolas" pitchFamily="49" charset="0"/>
+              <a:cs typeface="Consolas" pitchFamily="49" charset="0"/>
+            </a:endParaRPr>
           </a:p>
           <a:p>
             <a:pPr>
@@ -10854,24 +10868,7 @@
                 <a:latin typeface="Consolas" pitchFamily="49" charset="0"/>
                 <a:cs typeface="Consolas" pitchFamily="49" charset="0"/>
               </a:rPr>
-              <a:t>for i in range(n</a:t>
-            </a:r>
-            <a:r>
-              <a:rPr lang="en-US" sz="2800" b="1" noProof="1" smtClean="0">
-                <a:solidFill>
-                  <a:srgbClr val="FBEEDC"/>
-                </a:solidFill>
-                <a:effectLst>
-                  <a:outerShdw blurRad="38100" dist="38100" dir="2700000" algn="tl">
-                    <a:srgbClr val="000000">
-                      <a:alpha val="43137"/>
-                    </a:srgbClr>
-                  </a:outerShdw>
-                </a:effectLst>
-                <a:latin typeface="Consolas" pitchFamily="49" charset="0"/>
-                <a:cs typeface="Consolas" pitchFamily="49" charset="0"/>
-              </a:rPr>
-              <a:t>)</a:t>
+              <a:t>for i in range(n)</a:t>
             </a:r>
             <a:r>
               <a:rPr lang="bg-BG" sz="2800" b="1" noProof="1" smtClean="0">
@@ -16509,15 +16506,7 @@
             <a:pPr lvl="1"/>
             <a:r>
               <a:rPr lang="bg-BG" dirty="0" smtClean="0"/>
-              <a:t>От първия ред на входа се въвежда </a:t>
-            </a:r>
-            <a:r>
-              <a:rPr lang="bg-BG" dirty="0" smtClean="0"/>
-              <a:t>броя </a:t>
-            </a:r>
-            <a:r>
-              <a:rPr lang="bg-BG" dirty="0" smtClean="0"/>
-              <a:t>числа </a:t>
+              <a:t>От първия ред на входа се въвежда броя числа </a:t>
             </a:r>
             <a:r>
               <a:rPr lang="en-US" b="1" dirty="0" smtClean="0">

--- a/Python/5. Loops/5. Loops.pptx
+++ b/Python/5. Loops/5. Loops.pptx
@@ -247,7 +247,7 @@
             <a:fld id="{FE5B4EDC-59C0-49C7-8ADA-5A781B329E02}" type="datetimeFigureOut">
               <a:rPr lang="en-US"/>
               <a:pPr/>
-              <a:t>2/21/2017</a:t>
+              <a:t>2/28/2017</a:t>
             </a:fld>
             <a:endParaRPr dirty="0"/>
           </a:p>
@@ -446,7 +446,7 @@
             <a:fld id="{F2D8D46A-B586-417D-BFBD-8C8FE0AAF762}" type="datetimeFigureOut">
               <a:rPr lang="en-US" smtClean="0"/>
               <a:pPr/>
-              <a:t>2/21/2017</a:t>
+              <a:t>2/28/2017</a:t>
             </a:fld>
             <a:endParaRPr lang="en-US"/>
           </a:p>
@@ -2196,7 +2196,7 @@
             <a:fld id="{055373AC-9AA7-423B-BA00-BA1C74164DBD}" type="datetime1">
               <a:rPr lang="en-US" smtClean="0"/>
               <a:pPr/>
-              <a:t>2/21/2017</a:t>
+              <a:t>2/28/2017</a:t>
             </a:fld>
             <a:endParaRPr lang="en-US" dirty="0"/>
           </a:p>
@@ -3470,7 +3470,7 @@
             <a:fld id="{055373AC-9AA7-423B-BA00-BA1C74164DBD}" type="datetime1">
               <a:rPr lang="en-US" smtClean="0"/>
               <a:pPr/>
-              <a:t>2/21/2017</a:t>
+              <a:t>2/28/2017</a:t>
             </a:fld>
             <a:endParaRPr lang="en-US" dirty="0"/>
           </a:p>
@@ -12511,7 +12511,7 @@
       </p:pic>
       <p:sp>
         <p:nvSpPr>
-          <p:cNvPr id="11" name="Rectangle 5"/>
+          <p:cNvPr id="12" name="Rectangle 5"/>
           <p:cNvSpPr>
             <a:spLocks noChangeArrowheads="1"/>
           </p:cNvSpPr>
@@ -12519,8 +12519,8 @@
         </p:nvSpPr>
         <p:spPr bwMode="auto">
           <a:xfrm>
-            <a:off x="757314" y="3189316"/>
-            <a:ext cx="6723899" cy="769441"/>
+            <a:off x="732777" y="3145121"/>
+            <a:ext cx="6837072" cy="954107"/>
           </a:xfrm>
           <a:prstGeom prst="rect">
             <a:avLst/>
@@ -12546,19 +12546,130 @@
           <a:lstStyle/>
           <a:p>
             <a:r>
-              <a:rPr lang="en-US" sz="4400" b="1" noProof="1" smtClean="0">
-                <a:effectLst>
-                  <a:outerShdw blurRad="38100" dist="38100" dir="2700000" algn="tl">
-                    <a:srgbClr val="000000">
-                      <a:alpha val="43137"/>
-                    </a:srgbClr>
-                  </a:outerShdw>
-                </a:effectLst>
-                <a:latin typeface="Consolas" pitchFamily="49" charset="0"/>
-                <a:cs typeface="Consolas" pitchFamily="49" charset="0"/>
-              </a:rPr>
-              <a:t>range(n, m) == [n, m)</a:t>
-            </a:r>
+              <a:rPr lang="en-US" sz="2800" b="1" noProof="1" smtClean="0">
+                <a:effectLst>
+                  <a:outerShdw blurRad="38100" dist="38100" dir="2700000" algn="tl">
+                    <a:srgbClr val="000000">
+                      <a:alpha val="43137"/>
+                    </a:srgbClr>
+                  </a:outerShdw>
+                </a:effectLst>
+                <a:latin typeface="Consolas" pitchFamily="49" charset="0"/>
+                <a:cs typeface="Consolas" pitchFamily="49" charset="0"/>
+              </a:rPr>
+              <a:t>range(n</a:t>
+            </a:r>
+            <a:r>
+              <a:rPr lang="en-US" sz="2800" b="1" noProof="1" smtClean="0">
+                <a:effectLst>
+                  <a:outerShdw blurRad="38100" dist="38100" dir="2700000" algn="tl">
+                    <a:srgbClr val="000000">
+                      <a:alpha val="43137"/>
+                    </a:srgbClr>
+                  </a:outerShdw>
+                </a:effectLst>
+                <a:latin typeface="Consolas" pitchFamily="49" charset="0"/>
+                <a:cs typeface="Consolas" pitchFamily="49" charset="0"/>
+              </a:rPr>
+              <a:t>, m</a:t>
+            </a:r>
+            <a:r>
+              <a:rPr lang="en-US" sz="2800" b="1" noProof="1" smtClean="0">
+                <a:effectLst>
+                  <a:outerShdw blurRad="38100" dist="38100" dir="2700000" algn="tl">
+                    <a:srgbClr val="000000">
+                      <a:alpha val="43137"/>
+                    </a:srgbClr>
+                  </a:outerShdw>
+                </a:effectLst>
+                <a:latin typeface="Consolas" pitchFamily="49" charset="0"/>
+                <a:cs typeface="Consolas" pitchFamily="49" charset="0"/>
+              </a:rPr>
+              <a:t>) -&gt; n</a:t>
+            </a:r>
+            <a:r>
+              <a:rPr lang="bg-BG" sz="2800" b="1" noProof="1" smtClean="0">
+                <a:effectLst>
+                  <a:outerShdw blurRad="38100" dist="38100" dir="2700000" algn="tl">
+                    <a:srgbClr val="000000">
+                      <a:alpha val="43137"/>
+                    </a:srgbClr>
+                  </a:outerShdw>
+                </a:effectLst>
+                <a:latin typeface="Consolas" pitchFamily="49" charset="0"/>
+                <a:cs typeface="Consolas" pitchFamily="49" charset="0"/>
+              </a:rPr>
+              <a:t> - включено</a:t>
+            </a:r>
+          </a:p>
+          <a:p>
+            <a:r>
+              <a:rPr lang="bg-BG" sz="2800" b="1" noProof="1" smtClean="0">
+                <a:effectLst>
+                  <a:outerShdw blurRad="38100" dist="38100" dir="2700000" algn="tl">
+                    <a:srgbClr val="000000">
+                      <a:alpha val="43137"/>
+                    </a:srgbClr>
+                  </a:outerShdw>
+                </a:effectLst>
+                <a:latin typeface="Consolas" pitchFamily="49" charset="0"/>
+                <a:cs typeface="Consolas" pitchFamily="49" charset="0"/>
+              </a:rPr>
+              <a:t>            -&gt; </a:t>
+            </a:r>
+            <a:r>
+              <a:rPr lang="de-DE" sz="2800" b="1" noProof="1" smtClean="0">
+                <a:effectLst>
+                  <a:outerShdw blurRad="38100" dist="38100" dir="2700000" algn="tl">
+                    <a:srgbClr val="000000">
+                      <a:alpha val="43137"/>
+                    </a:srgbClr>
+                  </a:outerShdw>
+                </a:effectLst>
+                <a:latin typeface="Consolas" pitchFamily="49" charset="0"/>
+                <a:cs typeface="Consolas" pitchFamily="49" charset="0"/>
+              </a:rPr>
+              <a:t>m </a:t>
+            </a:r>
+            <a:r>
+              <a:rPr lang="en-US" sz="2800" b="1" noProof="1" smtClean="0">
+                <a:effectLst>
+                  <a:outerShdw blurRad="38100" dist="38100" dir="2700000" algn="tl">
+                    <a:srgbClr val="000000">
+                      <a:alpha val="43137"/>
+                    </a:srgbClr>
+                  </a:outerShdw>
+                </a:effectLst>
+                <a:latin typeface="Consolas" pitchFamily="49" charset="0"/>
+                <a:cs typeface="Consolas" pitchFamily="49" charset="0"/>
+              </a:rPr>
+              <a:t>- </a:t>
+            </a:r>
+            <a:r>
+              <a:rPr lang="bg-BG" sz="2800" b="1" noProof="1" smtClean="0">
+                <a:effectLst>
+                  <a:outerShdw blurRad="38100" dist="38100" dir="2700000" algn="tl">
+                    <a:srgbClr val="000000">
+                      <a:alpha val="43137"/>
+                    </a:srgbClr>
+                  </a:outerShdw>
+                </a:effectLst>
+                <a:latin typeface="Consolas" pitchFamily="49" charset="0"/>
+                <a:cs typeface="Consolas" pitchFamily="49" charset="0"/>
+              </a:rPr>
+              <a:t>изключено</a:t>
+            </a:r>
+            <a:endParaRPr lang="en-US" sz="2800" b="1" noProof="1" smtClean="0">
+              <a:effectLst>
+                <a:outerShdw blurRad="38100" dist="38100" dir="2700000" algn="tl">
+                  <a:srgbClr val="000000">
+                    <a:alpha val="43137"/>
+                  </a:srgbClr>
+                </a:outerShdw>
+              </a:effectLst>
+              <a:latin typeface="Consolas" pitchFamily="49" charset="0"/>
+              <a:cs typeface="Consolas" pitchFamily="49" charset="0"/>
+            </a:endParaRPr>
           </a:p>
         </p:txBody>
       </p:sp>
@@ -16332,8 +16443,8 @@
         </p:nvSpPr>
         <p:spPr bwMode="auto">
           <a:xfrm>
-            <a:off x="911224" y="4863221"/>
-            <a:ext cx="10363200" cy="769441"/>
+            <a:off x="911224" y="4551653"/>
+            <a:ext cx="10363200" cy="1446550"/>
           </a:xfrm>
           <a:prstGeom prst="rect">
             <a:avLst/>
@@ -16370,8 +16481,119 @@
                 <a:latin typeface="Consolas" pitchFamily="49" charset="0"/>
                 <a:cs typeface="Consolas" pitchFamily="49" charset="0"/>
               </a:rPr>
-              <a:t>     range(n, m) == [n, m)</a:t>
-            </a:r>
+              <a:t>range(n</a:t>
+            </a:r>
+            <a:r>
+              <a:rPr lang="en-US" sz="4400" b="1" noProof="1" smtClean="0">
+                <a:effectLst>
+                  <a:outerShdw blurRad="38100" dist="38100" dir="2700000" algn="tl">
+                    <a:srgbClr val="000000">
+                      <a:alpha val="43137"/>
+                    </a:srgbClr>
+                  </a:outerShdw>
+                </a:effectLst>
+                <a:latin typeface="Consolas" pitchFamily="49" charset="0"/>
+                <a:cs typeface="Consolas" pitchFamily="49" charset="0"/>
+              </a:rPr>
+              <a:t>, m</a:t>
+            </a:r>
+            <a:r>
+              <a:rPr lang="en-US" sz="4400" b="1" noProof="1" smtClean="0">
+                <a:effectLst>
+                  <a:outerShdw blurRad="38100" dist="38100" dir="2700000" algn="tl">
+                    <a:srgbClr val="000000">
+                      <a:alpha val="43137"/>
+                    </a:srgbClr>
+                  </a:outerShdw>
+                </a:effectLst>
+                <a:latin typeface="Consolas" pitchFamily="49" charset="0"/>
+                <a:cs typeface="Consolas" pitchFamily="49" charset="0"/>
+              </a:rPr>
+              <a:t>) -&gt; n</a:t>
+            </a:r>
+            <a:r>
+              <a:rPr lang="bg-BG" sz="4400" b="1" noProof="1" smtClean="0">
+                <a:effectLst>
+                  <a:outerShdw blurRad="38100" dist="38100" dir="2700000" algn="tl">
+                    <a:srgbClr val="000000">
+                      <a:alpha val="43137"/>
+                    </a:srgbClr>
+                  </a:outerShdw>
+                </a:effectLst>
+                <a:latin typeface="Consolas" pitchFamily="49" charset="0"/>
+                <a:cs typeface="Consolas" pitchFamily="49" charset="0"/>
+              </a:rPr>
+              <a:t> - включено</a:t>
+            </a:r>
+          </a:p>
+          <a:p>
+            <a:r>
+              <a:rPr lang="bg-BG" sz="4400" b="1" noProof="1" smtClean="0">
+                <a:effectLst>
+                  <a:outerShdw blurRad="38100" dist="38100" dir="2700000" algn="tl">
+                    <a:srgbClr val="000000">
+                      <a:alpha val="43137"/>
+                    </a:srgbClr>
+                  </a:outerShdw>
+                </a:effectLst>
+                <a:latin typeface="Consolas" pitchFamily="49" charset="0"/>
+                <a:cs typeface="Consolas" pitchFamily="49" charset="0"/>
+              </a:rPr>
+              <a:t>            -&gt; </a:t>
+            </a:r>
+            <a:r>
+              <a:rPr lang="de-DE" sz="4400" b="1" noProof="1" smtClean="0">
+                <a:effectLst>
+                  <a:outerShdw blurRad="38100" dist="38100" dir="2700000" algn="tl">
+                    <a:srgbClr val="000000">
+                      <a:alpha val="43137"/>
+                    </a:srgbClr>
+                  </a:outerShdw>
+                </a:effectLst>
+                <a:latin typeface="Consolas" pitchFamily="49" charset="0"/>
+                <a:cs typeface="Consolas" pitchFamily="49" charset="0"/>
+              </a:rPr>
+              <a:t>m </a:t>
+            </a:r>
+            <a:r>
+              <a:rPr lang="en-US" sz="4400" b="1" noProof="1" smtClean="0">
+                <a:effectLst>
+                  <a:outerShdw blurRad="38100" dist="38100" dir="2700000" algn="tl">
+                    <a:srgbClr val="000000">
+                      <a:alpha val="43137"/>
+                    </a:srgbClr>
+                  </a:outerShdw>
+                </a:effectLst>
+                <a:latin typeface="Consolas" pitchFamily="49" charset="0"/>
+                <a:cs typeface="Consolas" pitchFamily="49" charset="0"/>
+              </a:rPr>
+              <a:t>- </a:t>
+            </a:r>
+            <a:r>
+              <a:rPr lang="bg-BG" sz="4400" b="1" noProof="1" smtClean="0">
+                <a:effectLst>
+                  <a:outerShdw blurRad="38100" dist="38100" dir="2700000" algn="tl">
+                    <a:srgbClr val="000000">
+                      <a:alpha val="43137"/>
+                    </a:srgbClr>
+                  </a:outerShdw>
+                </a:effectLst>
+                <a:latin typeface="Consolas" pitchFamily="49" charset="0"/>
+                <a:cs typeface="Consolas" pitchFamily="49" charset="0"/>
+              </a:rPr>
+              <a:t>изключено</a:t>
+            </a:r>
+            <a:endParaRPr lang="en-US" sz="4400" b="1" noProof="1" smtClean="0">
+              <a:effectLst>
+                <a:outerShdw blurRad="38100" dist="38100" dir="2700000" algn="tl">
+                  <a:srgbClr val="000000">
+                    <a:alpha val="43137"/>
+                  </a:srgbClr>
+                </a:outerShdw>
+              </a:effectLst>
+              <a:latin typeface="Consolas" pitchFamily="49" charset="0"/>
+              <a:cs typeface="Consolas" pitchFamily="49" charset="0"/>
+            </a:endParaRPr>
           </a:p>
         </p:txBody>
       </p:sp>
@@ -18026,7 +18248,24 @@
                 <a:latin typeface="Consolas" pitchFamily="49" charset="0"/>
                 <a:cs typeface="Consolas" pitchFamily="49" charset="0"/>
               </a:rPr>
-              <a:t>   sum </a:t>
+              <a:t>   </a:t>
+            </a:r>
+            <a:r>
+              <a:rPr lang="en-US" sz="2800" b="1" noProof="1" smtClean="0">
+                <a:solidFill>
+                  <a:srgbClr val="FBEEDC"/>
+                </a:solidFill>
+                <a:effectLst>
+                  <a:outerShdw blurRad="38100" dist="38100" dir="2700000" algn="tl">
+                    <a:srgbClr val="000000">
+                      <a:alpha val="43137"/>
+                    </a:srgbClr>
+                  </a:outerShdw>
+                </a:effectLst>
+                <a:latin typeface="Consolas" pitchFamily="49" charset="0"/>
+                <a:cs typeface="Consolas" pitchFamily="49" charset="0"/>
+              </a:rPr>
+              <a:t>num </a:t>
             </a:r>
             <a:r>
               <a:rPr lang="en-US" sz="2800" b="1" noProof="1">
